--- a/img/design.pptx
+++ b/img/design.pptx
@@ -271,7 +271,7 @@
           <a:p>
             <a:fld id="{06CC0CC3-E7B7-0F4D-B297-074A936CCC43}" type="datetimeFigureOut">
               <a:rPr lang="en-US" smtClean="0"/>
-              <a:t>7/12/18</a:t>
+              <a:t>8/22/18</a:t>
             </a:fld>
             <a:endParaRPr lang="en-US"/>
           </a:p>
@@ -469,7 +469,7 @@
           <a:p>
             <a:fld id="{06CC0CC3-E7B7-0F4D-B297-074A936CCC43}" type="datetimeFigureOut">
               <a:rPr lang="en-US" smtClean="0"/>
-              <a:t>7/12/18</a:t>
+              <a:t>8/22/18</a:t>
             </a:fld>
             <a:endParaRPr lang="en-US"/>
           </a:p>
@@ -677,7 +677,7 @@
           <a:p>
             <a:fld id="{06CC0CC3-E7B7-0F4D-B297-074A936CCC43}" type="datetimeFigureOut">
               <a:rPr lang="en-US" smtClean="0"/>
-              <a:t>7/12/18</a:t>
+              <a:t>8/22/18</a:t>
             </a:fld>
             <a:endParaRPr lang="en-US"/>
           </a:p>
@@ -875,7 +875,7 @@
           <a:p>
             <a:fld id="{06CC0CC3-E7B7-0F4D-B297-074A936CCC43}" type="datetimeFigureOut">
               <a:rPr lang="en-US" smtClean="0"/>
-              <a:t>7/12/18</a:t>
+              <a:t>8/22/18</a:t>
             </a:fld>
             <a:endParaRPr lang="en-US"/>
           </a:p>
@@ -1150,7 +1150,7 @@
           <a:p>
             <a:fld id="{06CC0CC3-E7B7-0F4D-B297-074A936CCC43}" type="datetimeFigureOut">
               <a:rPr lang="en-US" smtClean="0"/>
-              <a:t>7/12/18</a:t>
+              <a:t>8/22/18</a:t>
             </a:fld>
             <a:endParaRPr lang="en-US"/>
           </a:p>
@@ -1415,7 +1415,7 @@
           <a:p>
             <a:fld id="{06CC0CC3-E7B7-0F4D-B297-074A936CCC43}" type="datetimeFigureOut">
               <a:rPr lang="en-US" smtClean="0"/>
-              <a:t>7/12/18</a:t>
+              <a:t>8/22/18</a:t>
             </a:fld>
             <a:endParaRPr lang="en-US"/>
           </a:p>
@@ -1827,7 +1827,7 @@
           <a:p>
             <a:fld id="{06CC0CC3-E7B7-0F4D-B297-074A936CCC43}" type="datetimeFigureOut">
               <a:rPr lang="en-US" smtClean="0"/>
-              <a:t>7/12/18</a:t>
+              <a:t>8/22/18</a:t>
             </a:fld>
             <a:endParaRPr lang="en-US"/>
           </a:p>
@@ -1968,7 +1968,7 @@
           <a:p>
             <a:fld id="{06CC0CC3-E7B7-0F4D-B297-074A936CCC43}" type="datetimeFigureOut">
               <a:rPr lang="en-US" smtClean="0"/>
-              <a:t>7/12/18</a:t>
+              <a:t>8/22/18</a:t>
             </a:fld>
             <a:endParaRPr lang="en-US"/>
           </a:p>
@@ -2081,7 +2081,7 @@
           <a:p>
             <a:fld id="{06CC0CC3-E7B7-0F4D-B297-074A936CCC43}" type="datetimeFigureOut">
               <a:rPr lang="en-US" smtClean="0"/>
-              <a:t>7/12/18</a:t>
+              <a:t>8/22/18</a:t>
             </a:fld>
             <a:endParaRPr lang="en-US"/>
           </a:p>
@@ -2392,7 +2392,7 @@
           <a:p>
             <a:fld id="{06CC0CC3-E7B7-0F4D-B297-074A936CCC43}" type="datetimeFigureOut">
               <a:rPr lang="en-US" smtClean="0"/>
-              <a:t>7/12/18</a:t>
+              <a:t>8/22/18</a:t>
             </a:fld>
             <a:endParaRPr lang="en-US"/>
           </a:p>
@@ -2680,7 +2680,7 @@
           <a:p>
             <a:fld id="{06CC0CC3-E7B7-0F4D-B297-074A936CCC43}" type="datetimeFigureOut">
               <a:rPr lang="en-US" smtClean="0"/>
-              <a:t>7/12/18</a:t>
+              <a:t>8/22/18</a:t>
             </a:fld>
             <a:endParaRPr lang="en-US"/>
           </a:p>
@@ -2921,7 +2921,7 @@
           <a:p>
             <a:fld id="{06CC0CC3-E7B7-0F4D-B297-074A936CCC43}" type="datetimeFigureOut">
               <a:rPr lang="en-US" smtClean="0"/>
-              <a:t>7/12/18</a:t>
+              <a:t>8/22/18</a:t>
             </a:fld>
             <a:endParaRPr lang="en-US"/>
           </a:p>
@@ -4270,7 +4270,7 @@
         </p:nvGrpSpPr>
         <p:grpSpPr>
           <a:xfrm>
-            <a:off x="648660" y="3843550"/>
+            <a:off x="671352" y="2702600"/>
             <a:ext cx="1937192" cy="2057550"/>
             <a:chOff x="849076" y="2728736"/>
             <a:chExt cx="1937192" cy="2057550"/>
@@ -4802,7 +4802,7 @@
         </p:nvGrpSpPr>
         <p:grpSpPr>
           <a:xfrm>
-            <a:off x="3454954" y="3777192"/>
+            <a:off x="3477646" y="2636242"/>
             <a:ext cx="2148485" cy="2306620"/>
             <a:chOff x="3655370" y="2662378"/>
             <a:chExt cx="2148485" cy="2306620"/>
@@ -5603,7 +5603,7 @@
         </p:nvGrpSpPr>
         <p:grpSpPr>
           <a:xfrm>
-            <a:off x="6375131" y="3878542"/>
+            <a:off x="6397823" y="2737592"/>
             <a:ext cx="2615528" cy="2115051"/>
             <a:chOff x="6575547" y="2763728"/>
             <a:chExt cx="2615528" cy="2115051"/>
@@ -6482,10 +6482,10 @@
         </p:nvGrpSpPr>
         <p:grpSpPr>
           <a:xfrm>
-            <a:off x="9464451" y="3467585"/>
-            <a:ext cx="2246552" cy="2621382"/>
-            <a:chOff x="9664867" y="2352771"/>
-            <a:chExt cx="2246552" cy="2621382"/>
+            <a:off x="9487143" y="2451576"/>
+            <a:ext cx="2282506" cy="2496441"/>
+            <a:chOff x="9664867" y="2477712"/>
+            <a:chExt cx="2282506" cy="2496441"/>
           </a:xfrm>
         </p:grpSpPr>
         <p:sp>
@@ -6746,7 +6746,7 @@
           <p:spPr>
             <a:xfrm>
               <a:off x="10045951" y="2798000"/>
-              <a:ext cx="1439333" cy="736600"/>
+              <a:ext cx="1409475" cy="736600"/>
             </a:xfrm>
             <a:custGeom>
               <a:avLst/>
@@ -6801,6 +6801,16 @@
                 <a:gd name="connsiteY3" fmla="*/ 152400 h 736600"/>
                 <a:gd name="connsiteX4" fmla="*/ 0 w 1439333"/>
                 <a:gd name="connsiteY4" fmla="*/ 736600 h 736600"/>
+                <a:gd name="connsiteX0" fmla="*/ 0 w 1409475"/>
+                <a:gd name="connsiteY0" fmla="*/ 736600 h 736600"/>
+                <a:gd name="connsiteX1" fmla="*/ 1253067 w 1409475"/>
+                <a:gd name="connsiteY1" fmla="*/ 550334 h 736600"/>
+                <a:gd name="connsiteX2" fmla="*/ 1409475 w 1409475"/>
+                <a:gd name="connsiteY2" fmla="*/ 0 h 736600"/>
+                <a:gd name="connsiteX3" fmla="*/ 347134 w 1409475"/>
+                <a:gd name="connsiteY3" fmla="*/ 152400 h 736600"/>
+                <a:gd name="connsiteX4" fmla="*/ 0 w 1409475"/>
+                <a:gd name="connsiteY4" fmla="*/ 736600 h 736600"/>
               </a:gdLst>
               <a:ahLst/>
               <a:cxnLst>
@@ -6822,7 +6832,7 @@
               </a:cxnLst>
               <a:rect l="l" t="t" r="r" b="b"/>
               <a:pathLst>
-                <a:path w="1439333" h="736600">
+                <a:path w="1409475" h="736600">
                   <a:moveTo>
                     <a:pt x="0" y="736600"/>
                   </a:moveTo>
@@ -6830,7 +6840,7 @@
                     <a:pt x="1253067" y="550334"/>
                   </a:lnTo>
                   <a:lnTo>
-                    <a:pt x="1439333" y="0"/>
+                    <a:pt x="1409475" y="0"/>
                   </a:lnTo>
                   <a:lnTo>
                     <a:pt x="347134" y="152400"/>
@@ -6928,8 +6938,8 @@
           </p:nvCxnSpPr>
           <p:spPr>
             <a:xfrm flipH="1">
-              <a:off x="11253437" y="3348334"/>
-              <a:ext cx="45581" cy="1062195"/>
+              <a:off x="11253438" y="3348334"/>
+              <a:ext cx="45580" cy="1062195"/>
             </a:xfrm>
             <a:prstGeom prst="line">
               <a:avLst/>
@@ -7002,14 +7012,14 @@
             </p:cNvPr>
             <p:cNvCxnSpPr>
               <a:cxnSpLocks/>
-              <a:endCxn id="39" idx="5"/>
+              <a:endCxn id="39" idx="0"/>
             </p:cNvCxnSpPr>
             <p:nvPr/>
           </p:nvCxnSpPr>
           <p:spPr>
-            <a:xfrm>
-              <a:off x="10404660" y="2965624"/>
-              <a:ext cx="19514" cy="1157384"/>
+            <a:xfrm flipH="1">
+              <a:off x="10357968" y="2965624"/>
+              <a:ext cx="33630" cy="1029085"/>
             </a:xfrm>
             <a:prstGeom prst="line">
               <a:avLst/>
@@ -7045,14 +7055,14 @@
             <p:cNvCxnSpPr>
               <a:cxnSpLocks/>
               <a:stCxn id="39" idx="6"/>
-              <a:endCxn id="42" idx="3"/>
+              <a:endCxn id="42" idx="2"/>
             </p:cNvCxnSpPr>
             <p:nvPr/>
           </p:nvCxnSpPr>
           <p:spPr>
             <a:xfrm flipV="1">
-              <a:off x="10446187" y="3880259"/>
-              <a:ext cx="1001130" cy="189606"/>
+              <a:off x="10433124" y="3827116"/>
+              <a:ext cx="992180" cy="242749"/>
             </a:xfrm>
             <a:prstGeom prst="line">
               <a:avLst/>
@@ -7088,14 +7098,14 @@
             <p:cNvCxnSpPr>
               <a:cxnSpLocks/>
               <a:stCxn id="40" idx="6"/>
-              <a:endCxn id="39" idx="6"/>
+              <a:endCxn id="39" idx="4"/>
             </p:cNvCxnSpPr>
             <p:nvPr/>
           </p:nvCxnSpPr>
           <p:spPr>
             <a:xfrm flipV="1">
-              <a:off x="10146971" y="4069865"/>
-              <a:ext cx="299216" cy="490976"/>
+              <a:off x="10146971" y="4145021"/>
+              <a:ext cx="210997" cy="415820"/>
             </a:xfrm>
             <a:prstGeom prst="line">
               <a:avLst/>
@@ -7238,7 +7248,7 @@
           </p:nvSpPr>
           <p:spPr>
             <a:xfrm>
-              <a:off x="10119446" y="2501115"/>
+              <a:off x="11645687" y="2477712"/>
               <a:ext cx="301686" cy="369332"/>
             </a:xfrm>
             <a:prstGeom prst="rect">
@@ -7273,7 +7283,7 @@
           </p:nvSpPr>
           <p:spPr>
             <a:xfrm>
-              <a:off x="11423181" y="2352771"/>
+              <a:off x="10196539" y="2558714"/>
               <a:ext cx="301686" cy="369332"/>
             </a:xfrm>
             <a:prstGeom prst="rect">
@@ -7308,7 +7318,7 @@
           </p:nvSpPr>
           <p:spPr>
             <a:xfrm>
-              <a:off x="10295875" y="3994709"/>
+              <a:off x="10282812" y="3994709"/>
               <a:ext cx="150312" cy="150312"/>
             </a:xfrm>
             <a:prstGeom prst="ellipse">
@@ -7712,7 +7722,7 @@
         </p:nvSpPr>
         <p:spPr>
           <a:xfrm>
-            <a:off x="1109421" y="6102294"/>
+            <a:off x="1132113" y="4961344"/>
             <a:ext cx="521297" cy="369332"/>
           </a:xfrm>
           <a:prstGeom prst="rect">
@@ -7747,7 +7757,7 @@
         </p:nvSpPr>
         <p:spPr>
           <a:xfrm>
-            <a:off x="3777459" y="6094461"/>
+            <a:off x="3800151" y="4953511"/>
             <a:ext cx="1069908" cy="369332"/>
           </a:xfrm>
           <a:prstGeom prst="rect">
@@ -7782,7 +7792,7 @@
         </p:nvSpPr>
         <p:spPr>
           <a:xfrm>
-            <a:off x="7162672" y="6102294"/>
+            <a:off x="7185364" y="4961344"/>
             <a:ext cx="902811" cy="369332"/>
           </a:xfrm>
           <a:prstGeom prst="rect">
@@ -7817,7 +7827,7 @@
         </p:nvSpPr>
         <p:spPr>
           <a:xfrm>
-            <a:off x="10146966" y="6094461"/>
+            <a:off x="10169658" y="4953511"/>
             <a:ext cx="561372" cy="369332"/>
           </a:xfrm>
           <a:prstGeom prst="rect">

--- a/img/design.pptx
+++ b/img/design.pptx
@@ -7,6 +7,7 @@
   <p:sldIdLst>
     <p:sldId id="256" r:id="rId2"/>
     <p:sldId id="257" r:id="rId3"/>
+    <p:sldId id="258" r:id="rId4"/>
   </p:sldIdLst>
   <p:sldSz cx="12192000" cy="6858000"/>
   <p:notesSz cx="6858000" cy="9144000"/>
@@ -108,7 +109,7 @@
   <p:extLst>
     <p:ext uri="{EFAFB233-063F-42B5-8137-9DF3F51BA10A}">
       <p15:sldGuideLst xmlns:p15="http://schemas.microsoft.com/office/powerpoint/2012/main">
-        <p15:guide id="1" orient="horz" pos="2160" userDrawn="1">
+        <p15:guide id="1" orient="horz" pos="2183" userDrawn="1">
           <p15:clr>
             <a:srgbClr val="A4A3A4"/>
           </p15:clr>
@@ -3826,10 +3827,10 @@
         </p:nvGrpSpPr>
         <p:grpSpPr>
           <a:xfrm>
-            <a:off x="2608544" y="275682"/>
-            <a:ext cx="1885832" cy="1973498"/>
-            <a:chOff x="1168203" y="171926"/>
-            <a:chExt cx="1885832" cy="1973498"/>
+            <a:off x="2608544" y="14422"/>
+            <a:ext cx="1885832" cy="1868994"/>
+            <a:chOff x="1168203" y="276430"/>
+            <a:chExt cx="1885832" cy="1868994"/>
           </a:xfrm>
         </p:grpSpPr>
         <p:sp>
@@ -4199,7 +4200,7 @@
           </p:nvSpPr>
           <p:spPr>
             <a:xfrm>
-              <a:off x="2391994" y="171926"/>
+              <a:off x="2391994" y="276430"/>
               <a:ext cx="301686" cy="369332"/>
             </a:xfrm>
             <a:prstGeom prst="rect">
@@ -4234,7 +4235,7 @@
           </p:nvSpPr>
           <p:spPr>
             <a:xfrm>
-              <a:off x="1168203" y="359236"/>
+              <a:off x="1168203" y="463740"/>
               <a:ext cx="301686" cy="369332"/>
             </a:xfrm>
             <a:prstGeom prst="rect">
@@ -4270,7 +4271,7 @@
         </p:nvGrpSpPr>
         <p:grpSpPr>
           <a:xfrm>
-            <a:off x="671352" y="2702600"/>
+            <a:off x="44334" y="2323773"/>
             <a:ext cx="1937192" cy="2057550"/>
             <a:chOff x="849076" y="2728736"/>
             <a:chExt cx="1937192" cy="2057550"/>
@@ -4802,7 +4803,7 @@
         </p:nvGrpSpPr>
         <p:grpSpPr>
           <a:xfrm>
-            <a:off x="3477646" y="2636242"/>
+            <a:off x="2197480" y="2257415"/>
             <a:ext cx="2148485" cy="2306620"/>
             <a:chOff x="3655370" y="2662378"/>
             <a:chExt cx="2148485" cy="2306620"/>
@@ -5603,7 +5604,7 @@
         </p:nvGrpSpPr>
         <p:grpSpPr>
           <a:xfrm>
-            <a:off x="6397823" y="2737592"/>
+            <a:off x="4451455" y="2358765"/>
             <a:ext cx="2615528" cy="2115051"/>
             <a:chOff x="6575547" y="2763728"/>
             <a:chExt cx="2615528" cy="2115051"/>
@@ -6482,10 +6483,10 @@
         </p:nvGrpSpPr>
         <p:grpSpPr>
           <a:xfrm>
-            <a:off x="9487143" y="2451576"/>
-            <a:ext cx="2282506" cy="2496441"/>
-            <a:chOff x="9664867" y="2477712"/>
-            <a:chExt cx="2282506" cy="2496441"/>
+            <a:off x="7444658" y="2201837"/>
+            <a:ext cx="4457927" cy="2383682"/>
+            <a:chOff x="9960638" y="2606800"/>
+            <a:chExt cx="4457927" cy="2383682"/>
           </a:xfrm>
         </p:grpSpPr>
         <p:sp>
@@ -6640,7 +6641,7 @@
           </p:nvSpPr>
           <p:spPr>
             <a:xfrm>
-              <a:off x="9935072" y="4604821"/>
+              <a:off x="12523763" y="4595839"/>
               <a:ext cx="301686" cy="369332"/>
             </a:xfrm>
             <a:prstGeom prst="rect">
@@ -6675,7 +6676,7 @@
           </p:nvSpPr>
           <p:spPr>
             <a:xfrm>
-              <a:off x="11217416" y="4370492"/>
+              <a:off x="13786480" y="4621150"/>
               <a:ext cx="301686" cy="369332"/>
             </a:xfrm>
             <a:prstGeom prst="rect">
@@ -6710,7 +6711,7 @@
           </p:nvSpPr>
           <p:spPr>
             <a:xfrm>
-              <a:off x="10469951" y="3994709"/>
+              <a:off x="14116879" y="4002424"/>
               <a:ext cx="301686" cy="369332"/>
             </a:xfrm>
             <a:prstGeom prst="rect">
@@ -6904,7 +6905,11 @@
             <a:prstGeom prst="line">
               <a:avLst/>
             </a:prstGeom>
-            <a:ln w="28575"/>
+            <a:ln w="28575">
+              <a:solidFill>
+                <a:schemeClr val="accent1"/>
+              </a:solidFill>
+            </a:ln>
           </p:spPr>
           <p:style>
             <a:lnRef idx="1">
@@ -7143,7 +7148,7 @@
           </p:nvSpPr>
           <p:spPr>
             <a:xfrm>
-              <a:off x="11609733" y="3641279"/>
+              <a:off x="12961851" y="4011011"/>
               <a:ext cx="301686" cy="369332"/>
             </a:xfrm>
             <a:prstGeom prst="rect">
@@ -7178,7 +7183,7 @@
           </p:nvSpPr>
           <p:spPr>
             <a:xfrm>
-              <a:off x="9664867" y="3246317"/>
+              <a:off x="12300570" y="3422313"/>
               <a:ext cx="301686" cy="369332"/>
             </a:xfrm>
             <a:prstGeom prst="rect">
@@ -7213,7 +7218,7 @@
           </p:nvSpPr>
           <p:spPr>
             <a:xfrm>
-              <a:off x="10965784" y="2978064"/>
+              <a:off x="13480128" y="3438023"/>
               <a:ext cx="301686" cy="369332"/>
             </a:xfrm>
             <a:prstGeom prst="rect">
@@ -7248,7 +7253,7 @@
           </p:nvSpPr>
           <p:spPr>
             <a:xfrm>
-              <a:off x="11645687" y="2477712"/>
+              <a:off x="12654666" y="2611601"/>
               <a:ext cx="301686" cy="369332"/>
             </a:xfrm>
             <a:prstGeom prst="rect">
@@ -7283,7 +7288,7 @@
           </p:nvSpPr>
           <p:spPr>
             <a:xfrm>
-              <a:off x="10196539" y="2558714"/>
+              <a:off x="13840902" y="2606800"/>
               <a:ext cx="301686" cy="369332"/>
             </a:xfrm>
             <a:prstGeom prst="rect">
@@ -7687,7 +7692,7 @@
         </p:nvSpPr>
         <p:spPr>
           <a:xfrm>
-            <a:off x="3224893" y="2142170"/>
+            <a:off x="3224893" y="1698033"/>
             <a:ext cx="758285" cy="369332"/>
           </a:xfrm>
           <a:prstGeom prst="rect">
@@ -7722,7 +7727,7 @@
         </p:nvSpPr>
         <p:spPr>
           <a:xfrm>
-            <a:off x="1132113" y="4961344"/>
+            <a:off x="648787" y="4164501"/>
             <a:ext cx="521297" cy="369332"/>
           </a:xfrm>
           <a:prstGeom prst="rect">
@@ -7757,7 +7762,7 @@
         </p:nvSpPr>
         <p:spPr>
           <a:xfrm>
-            <a:off x="3800151" y="4953511"/>
+            <a:off x="2663677" y="4156668"/>
             <a:ext cx="1069908" cy="369332"/>
           </a:xfrm>
           <a:prstGeom prst="rect">
@@ -7792,7 +7797,7 @@
         </p:nvSpPr>
         <p:spPr>
           <a:xfrm>
-            <a:off x="7185364" y="4961344"/>
+            <a:off x="4863463" y="4151709"/>
             <a:ext cx="902811" cy="369332"/>
           </a:xfrm>
           <a:prstGeom prst="rect">
@@ -7827,7 +7832,7 @@
         </p:nvSpPr>
         <p:spPr>
           <a:xfrm>
-            <a:off x="10169658" y="4953511"/>
+            <a:off x="7975094" y="4156668"/>
             <a:ext cx="561372" cy="369332"/>
           </a:xfrm>
           <a:prstGeom prst="rect">
@@ -7848,10 +7853,1990 @@
           </a:p>
         </p:txBody>
       </p:sp>
+      <p:cxnSp>
+        <p:nvCxnSpPr>
+          <p:cNvPr id="3" name="Straight Connector 2">
+            <a:extLst>
+              <a:ext uri="{FF2B5EF4-FFF2-40B4-BE49-F238E27FC236}">
+                <a16:creationId xmlns:a16="http://schemas.microsoft.com/office/drawing/2014/main" id="{7C8DD3A9-525F-5143-87DB-95F3D2892972}"/>
+              </a:ext>
+            </a:extLst>
+          </p:cNvPr>
+          <p:cNvCxnSpPr/>
+          <p:nvPr/>
+        </p:nvCxnSpPr>
+        <p:spPr>
+          <a:xfrm>
+            <a:off x="470263" y="2063929"/>
+            <a:ext cx="11299386" cy="0"/>
+          </a:xfrm>
+          <a:prstGeom prst="line">
+            <a:avLst/>
+          </a:prstGeom>
+        </p:spPr>
+        <p:style>
+          <a:lnRef idx="1">
+            <a:schemeClr val="accent1"/>
+          </a:lnRef>
+          <a:fillRef idx="0">
+            <a:schemeClr val="accent1"/>
+          </a:fillRef>
+          <a:effectRef idx="0">
+            <a:schemeClr val="accent1"/>
+          </a:effectRef>
+          <a:fontRef idx="minor">
+            <a:schemeClr val="tx1"/>
+          </a:fontRef>
+        </p:style>
+      </p:cxnSp>
+      <p:grpSp>
+        <p:nvGrpSpPr>
+          <p:cNvPr id="2" name="Group 1">
+            <a:extLst>
+              <a:ext uri="{FF2B5EF4-FFF2-40B4-BE49-F238E27FC236}">
+                <a16:creationId xmlns:a16="http://schemas.microsoft.com/office/drawing/2014/main" id="{00A24FF8-61E5-9B4E-A43A-6F1F9199800A}"/>
+              </a:ext>
+            </a:extLst>
+          </p:cNvPr>
+          <p:cNvGrpSpPr/>
+          <p:nvPr/>
+        </p:nvGrpSpPr>
+        <p:grpSpPr>
+          <a:xfrm>
+            <a:off x="10017240" y="2481071"/>
+            <a:ext cx="1684104" cy="2082964"/>
+            <a:chOff x="10017240" y="2481071"/>
+            <a:chExt cx="1684104" cy="2082964"/>
+          </a:xfrm>
+        </p:grpSpPr>
+        <p:grpSp>
+          <p:nvGrpSpPr>
+            <p:cNvPr id="27" name="Group 26">
+              <a:extLst>
+                <a:ext uri="{FF2B5EF4-FFF2-40B4-BE49-F238E27FC236}">
+                  <a16:creationId xmlns:a16="http://schemas.microsoft.com/office/drawing/2014/main" id="{3478AB2E-D944-B947-9B8B-A767174CD38C}"/>
+                </a:ext>
+              </a:extLst>
+            </p:cNvPr>
+            <p:cNvGrpSpPr/>
+            <p:nvPr/>
+          </p:nvGrpSpPr>
+          <p:grpSpPr>
+            <a:xfrm>
+              <a:off x="10078414" y="2545137"/>
+              <a:ext cx="1556006" cy="1626462"/>
+              <a:chOff x="10116022" y="5106279"/>
+              <a:chExt cx="1252476" cy="1309188"/>
+            </a:xfrm>
+          </p:grpSpPr>
+          <p:cxnSp>
+            <p:nvCxnSpPr>
+              <p:cNvPr id="98" name="Straight Connector 97">
+                <a:extLst>
+                  <a:ext uri="{FF2B5EF4-FFF2-40B4-BE49-F238E27FC236}">
+                    <a16:creationId xmlns:a16="http://schemas.microsoft.com/office/drawing/2014/main" id="{397DF0F5-88EE-744C-B6B0-3DDCC08373E8}"/>
+                  </a:ext>
+                </a:extLst>
+              </p:cNvPr>
+              <p:cNvCxnSpPr>
+                <a:cxnSpLocks/>
+              </p:cNvCxnSpPr>
+              <p:nvPr/>
+            </p:nvCxnSpPr>
+            <p:spPr>
+              <a:xfrm flipV="1">
+                <a:off x="10121215" y="6415466"/>
+                <a:ext cx="954498" cy="1"/>
+              </a:xfrm>
+              <a:prstGeom prst="line">
+                <a:avLst/>
+              </a:prstGeom>
+              <a:ln w="28575"/>
+            </p:spPr>
+            <p:style>
+              <a:lnRef idx="1">
+                <a:schemeClr val="accent1"/>
+              </a:lnRef>
+              <a:fillRef idx="0">
+                <a:schemeClr val="accent1"/>
+              </a:fillRef>
+              <a:effectRef idx="0">
+                <a:schemeClr val="accent1"/>
+              </a:effectRef>
+              <a:fontRef idx="minor">
+                <a:schemeClr val="tx1"/>
+              </a:fontRef>
+            </p:style>
+          </p:cxnSp>
+          <p:cxnSp>
+            <p:nvCxnSpPr>
+              <p:cNvPr id="101" name="Straight Connector 100">
+                <a:extLst>
+                  <a:ext uri="{FF2B5EF4-FFF2-40B4-BE49-F238E27FC236}">
+                    <a16:creationId xmlns:a16="http://schemas.microsoft.com/office/drawing/2014/main" id="{D4D88C00-2A7B-F742-A455-E57E4C321905}"/>
+                  </a:ext>
+                </a:extLst>
+              </p:cNvPr>
+              <p:cNvCxnSpPr>
+                <a:cxnSpLocks/>
+              </p:cNvCxnSpPr>
+              <p:nvPr/>
+            </p:nvCxnSpPr>
+            <p:spPr>
+              <a:xfrm flipV="1">
+                <a:off x="10121215" y="5536047"/>
+                <a:ext cx="954498" cy="1"/>
+              </a:xfrm>
+              <a:prstGeom prst="line">
+                <a:avLst/>
+              </a:prstGeom>
+              <a:ln w="28575"/>
+            </p:spPr>
+            <p:style>
+              <a:lnRef idx="1">
+                <a:schemeClr val="accent1"/>
+              </a:lnRef>
+              <a:fillRef idx="0">
+                <a:schemeClr val="accent1"/>
+              </a:fillRef>
+              <a:effectRef idx="0">
+                <a:schemeClr val="accent1"/>
+              </a:effectRef>
+              <a:fontRef idx="minor">
+                <a:schemeClr val="tx1"/>
+              </a:fontRef>
+            </p:style>
+          </p:cxnSp>
+          <p:cxnSp>
+            <p:nvCxnSpPr>
+              <p:cNvPr id="102" name="Straight Connector 101">
+                <a:extLst>
+                  <a:ext uri="{FF2B5EF4-FFF2-40B4-BE49-F238E27FC236}">
+                    <a16:creationId xmlns:a16="http://schemas.microsoft.com/office/drawing/2014/main" id="{74F70CB4-E0AD-544E-9189-F7DC2212FA0C}"/>
+                  </a:ext>
+                </a:extLst>
+              </p:cNvPr>
+              <p:cNvCxnSpPr>
+                <a:cxnSpLocks/>
+              </p:cNvCxnSpPr>
+              <p:nvPr/>
+            </p:nvCxnSpPr>
+            <p:spPr>
+              <a:xfrm flipV="1">
+                <a:off x="11075713" y="5536047"/>
+                <a:ext cx="0" cy="879418"/>
+              </a:xfrm>
+              <a:prstGeom prst="line">
+                <a:avLst/>
+              </a:prstGeom>
+              <a:ln w="28575"/>
+            </p:spPr>
+            <p:style>
+              <a:lnRef idx="1">
+                <a:schemeClr val="accent1"/>
+              </a:lnRef>
+              <a:fillRef idx="0">
+                <a:schemeClr val="accent1"/>
+              </a:fillRef>
+              <a:effectRef idx="0">
+                <a:schemeClr val="accent1"/>
+              </a:effectRef>
+              <a:fontRef idx="minor">
+                <a:schemeClr val="tx1"/>
+              </a:fontRef>
+            </p:style>
+          </p:cxnSp>
+          <p:cxnSp>
+            <p:nvCxnSpPr>
+              <p:cNvPr id="105" name="Straight Connector 104">
+                <a:extLst>
+                  <a:ext uri="{FF2B5EF4-FFF2-40B4-BE49-F238E27FC236}">
+                    <a16:creationId xmlns:a16="http://schemas.microsoft.com/office/drawing/2014/main" id="{109C27E6-FADA-4941-995C-FEC9747A57A3}"/>
+                  </a:ext>
+                </a:extLst>
+              </p:cNvPr>
+              <p:cNvCxnSpPr>
+                <a:cxnSpLocks/>
+              </p:cNvCxnSpPr>
+              <p:nvPr/>
+            </p:nvCxnSpPr>
+            <p:spPr>
+              <a:xfrm flipV="1">
+                <a:off x="10120190" y="5536047"/>
+                <a:ext cx="0" cy="879418"/>
+              </a:xfrm>
+              <a:prstGeom prst="line">
+                <a:avLst/>
+              </a:prstGeom>
+              <a:ln w="28575"/>
+            </p:spPr>
+            <p:style>
+              <a:lnRef idx="1">
+                <a:schemeClr val="accent1"/>
+              </a:lnRef>
+              <a:fillRef idx="0">
+                <a:schemeClr val="accent1"/>
+              </a:fillRef>
+              <a:effectRef idx="0">
+                <a:schemeClr val="accent1"/>
+              </a:effectRef>
+              <a:fontRef idx="minor">
+                <a:schemeClr val="tx1"/>
+              </a:fontRef>
+            </p:style>
+          </p:cxnSp>
+          <p:cxnSp>
+            <p:nvCxnSpPr>
+              <p:cNvPr id="107" name="Straight Connector 106">
+                <a:extLst>
+                  <a:ext uri="{FF2B5EF4-FFF2-40B4-BE49-F238E27FC236}">
+                    <a16:creationId xmlns:a16="http://schemas.microsoft.com/office/drawing/2014/main" id="{94179C01-4C8E-F146-A35E-9F5109E8D836}"/>
+                  </a:ext>
+                </a:extLst>
+              </p:cNvPr>
+              <p:cNvCxnSpPr>
+                <a:cxnSpLocks/>
+              </p:cNvCxnSpPr>
+              <p:nvPr/>
+            </p:nvCxnSpPr>
+            <p:spPr>
+              <a:xfrm flipV="1">
+                <a:off x="11368498" y="5106280"/>
+                <a:ext cx="0" cy="879418"/>
+              </a:xfrm>
+              <a:prstGeom prst="line">
+                <a:avLst/>
+              </a:prstGeom>
+              <a:ln w="28575"/>
+            </p:spPr>
+            <p:style>
+              <a:lnRef idx="1">
+                <a:schemeClr val="accent1"/>
+              </a:lnRef>
+              <a:fillRef idx="0">
+                <a:schemeClr val="accent1"/>
+              </a:fillRef>
+              <a:effectRef idx="0">
+                <a:schemeClr val="accent1"/>
+              </a:effectRef>
+              <a:fontRef idx="minor">
+                <a:schemeClr val="tx1"/>
+              </a:fontRef>
+            </p:style>
+          </p:cxnSp>
+          <p:cxnSp>
+            <p:nvCxnSpPr>
+              <p:cNvPr id="24" name="Straight Connector 23">
+                <a:extLst>
+                  <a:ext uri="{FF2B5EF4-FFF2-40B4-BE49-F238E27FC236}">
+                    <a16:creationId xmlns:a16="http://schemas.microsoft.com/office/drawing/2014/main" id="{FE75217F-3D13-C44B-9CAD-D59EFD2E5B40}"/>
+                  </a:ext>
+                </a:extLst>
+              </p:cNvPr>
+              <p:cNvCxnSpPr/>
+              <p:nvPr/>
+            </p:nvCxnSpPr>
+            <p:spPr>
+              <a:xfrm flipV="1">
+                <a:off x="11075713" y="5985698"/>
+                <a:ext cx="292785" cy="429767"/>
+              </a:xfrm>
+              <a:prstGeom prst="line">
+                <a:avLst/>
+              </a:prstGeom>
+              <a:ln w="28575"/>
+            </p:spPr>
+            <p:style>
+              <a:lnRef idx="1">
+                <a:schemeClr val="accent1"/>
+              </a:lnRef>
+              <a:fillRef idx="0">
+                <a:schemeClr val="accent1"/>
+              </a:fillRef>
+              <a:effectRef idx="0">
+                <a:schemeClr val="accent1"/>
+              </a:effectRef>
+              <a:fontRef idx="minor">
+                <a:schemeClr val="tx1"/>
+              </a:fontRef>
+            </p:style>
+          </p:cxnSp>
+          <p:cxnSp>
+            <p:nvCxnSpPr>
+              <p:cNvPr id="110" name="Straight Connector 109">
+                <a:extLst>
+                  <a:ext uri="{FF2B5EF4-FFF2-40B4-BE49-F238E27FC236}">
+                    <a16:creationId xmlns:a16="http://schemas.microsoft.com/office/drawing/2014/main" id="{45C7572F-0DE8-D742-85F2-658BAFEC5D22}"/>
+                  </a:ext>
+                </a:extLst>
+              </p:cNvPr>
+              <p:cNvCxnSpPr/>
+              <p:nvPr/>
+            </p:nvCxnSpPr>
+            <p:spPr>
+              <a:xfrm flipV="1">
+                <a:off x="11071813" y="5116222"/>
+                <a:ext cx="292785" cy="429767"/>
+              </a:xfrm>
+              <a:prstGeom prst="line">
+                <a:avLst/>
+              </a:prstGeom>
+              <a:ln w="28575"/>
+            </p:spPr>
+            <p:style>
+              <a:lnRef idx="1">
+                <a:schemeClr val="accent1"/>
+              </a:lnRef>
+              <a:fillRef idx="0">
+                <a:schemeClr val="accent1"/>
+              </a:fillRef>
+              <a:effectRef idx="0">
+                <a:schemeClr val="accent1"/>
+              </a:effectRef>
+              <a:fontRef idx="minor">
+                <a:schemeClr val="tx1"/>
+              </a:fontRef>
+            </p:style>
+          </p:cxnSp>
+          <p:cxnSp>
+            <p:nvCxnSpPr>
+              <p:cNvPr id="112" name="Straight Connector 111">
+                <a:extLst>
+                  <a:ext uri="{FF2B5EF4-FFF2-40B4-BE49-F238E27FC236}">
+                    <a16:creationId xmlns:a16="http://schemas.microsoft.com/office/drawing/2014/main" id="{FC1BB174-5FE8-F847-B70B-A6A389B0B1AA}"/>
+                  </a:ext>
+                </a:extLst>
+              </p:cNvPr>
+              <p:cNvCxnSpPr>
+                <a:cxnSpLocks/>
+              </p:cNvCxnSpPr>
+              <p:nvPr/>
+            </p:nvCxnSpPr>
+            <p:spPr>
+              <a:xfrm flipV="1">
+                <a:off x="10407373" y="5112365"/>
+                <a:ext cx="954498" cy="1"/>
+              </a:xfrm>
+              <a:prstGeom prst="line">
+                <a:avLst/>
+              </a:prstGeom>
+              <a:ln w="28575"/>
+            </p:spPr>
+            <p:style>
+              <a:lnRef idx="1">
+                <a:schemeClr val="accent1"/>
+              </a:lnRef>
+              <a:fillRef idx="0">
+                <a:schemeClr val="accent1"/>
+              </a:fillRef>
+              <a:effectRef idx="0">
+                <a:schemeClr val="accent1"/>
+              </a:effectRef>
+              <a:fontRef idx="minor">
+                <a:schemeClr val="tx1"/>
+              </a:fontRef>
+            </p:style>
+          </p:cxnSp>
+          <p:cxnSp>
+            <p:nvCxnSpPr>
+              <p:cNvPr id="113" name="Straight Connector 112">
+                <a:extLst>
+                  <a:ext uri="{FF2B5EF4-FFF2-40B4-BE49-F238E27FC236}">
+                    <a16:creationId xmlns:a16="http://schemas.microsoft.com/office/drawing/2014/main" id="{54A5676D-EB51-9F49-981A-60A8EFD4F12D}"/>
+                  </a:ext>
+                </a:extLst>
+              </p:cNvPr>
+              <p:cNvCxnSpPr/>
+              <p:nvPr/>
+            </p:nvCxnSpPr>
+            <p:spPr>
+              <a:xfrm flipV="1">
+                <a:off x="10120189" y="5106279"/>
+                <a:ext cx="292785" cy="429767"/>
+              </a:xfrm>
+              <a:prstGeom prst="line">
+                <a:avLst/>
+              </a:prstGeom>
+              <a:ln w="28575"/>
+            </p:spPr>
+            <p:style>
+              <a:lnRef idx="1">
+                <a:schemeClr val="accent1"/>
+              </a:lnRef>
+              <a:fillRef idx="0">
+                <a:schemeClr val="accent1"/>
+              </a:fillRef>
+              <a:effectRef idx="0">
+                <a:schemeClr val="accent1"/>
+              </a:effectRef>
+              <a:fontRef idx="minor">
+                <a:schemeClr val="tx1"/>
+              </a:fontRef>
+            </p:style>
+          </p:cxnSp>
+          <p:cxnSp>
+            <p:nvCxnSpPr>
+              <p:cNvPr id="138" name="Straight Connector 137">
+                <a:extLst>
+                  <a:ext uri="{FF2B5EF4-FFF2-40B4-BE49-F238E27FC236}">
+                    <a16:creationId xmlns:a16="http://schemas.microsoft.com/office/drawing/2014/main" id="{42DF9BF8-C424-3444-8914-81BE97906A57}"/>
+                  </a:ext>
+                </a:extLst>
+              </p:cNvPr>
+              <p:cNvCxnSpPr/>
+              <p:nvPr/>
+            </p:nvCxnSpPr>
+            <p:spPr>
+              <a:xfrm flipV="1">
+                <a:off x="10116022" y="5975756"/>
+                <a:ext cx="292785" cy="429767"/>
+              </a:xfrm>
+              <a:prstGeom prst="line">
+                <a:avLst/>
+              </a:prstGeom>
+              <a:ln w="28575">
+                <a:prstDash val="dash"/>
+              </a:ln>
+            </p:spPr>
+            <p:style>
+              <a:lnRef idx="1">
+                <a:schemeClr val="accent1"/>
+              </a:lnRef>
+              <a:fillRef idx="0">
+                <a:schemeClr val="accent1"/>
+              </a:fillRef>
+              <a:effectRef idx="0">
+                <a:schemeClr val="accent1"/>
+              </a:effectRef>
+              <a:fontRef idx="minor">
+                <a:schemeClr val="tx1"/>
+              </a:fontRef>
+            </p:style>
+          </p:cxnSp>
+          <p:cxnSp>
+            <p:nvCxnSpPr>
+              <p:cNvPr id="140" name="Straight Connector 139">
+                <a:extLst>
+                  <a:ext uri="{FF2B5EF4-FFF2-40B4-BE49-F238E27FC236}">
+                    <a16:creationId xmlns:a16="http://schemas.microsoft.com/office/drawing/2014/main" id="{8E7404BF-5934-D044-AAB1-0CD11D95F9E8}"/>
+                  </a:ext>
+                </a:extLst>
+              </p:cNvPr>
+              <p:cNvCxnSpPr>
+                <a:cxnSpLocks/>
+              </p:cNvCxnSpPr>
+              <p:nvPr/>
+            </p:nvCxnSpPr>
+            <p:spPr>
+              <a:xfrm flipV="1">
+                <a:off x="10407373" y="5106280"/>
+                <a:ext cx="0" cy="879418"/>
+              </a:xfrm>
+              <a:prstGeom prst="line">
+                <a:avLst/>
+              </a:prstGeom>
+              <a:ln w="28575">
+                <a:prstDash val="dash"/>
+              </a:ln>
+            </p:spPr>
+            <p:style>
+              <a:lnRef idx="1">
+                <a:schemeClr val="accent1"/>
+              </a:lnRef>
+              <a:fillRef idx="0">
+                <a:schemeClr val="accent1"/>
+              </a:fillRef>
+              <a:effectRef idx="0">
+                <a:schemeClr val="accent1"/>
+              </a:effectRef>
+              <a:fontRef idx="minor">
+                <a:schemeClr val="tx1"/>
+              </a:fontRef>
+            </p:style>
+          </p:cxnSp>
+          <p:cxnSp>
+            <p:nvCxnSpPr>
+              <p:cNvPr id="141" name="Straight Connector 140">
+                <a:extLst>
+                  <a:ext uri="{FF2B5EF4-FFF2-40B4-BE49-F238E27FC236}">
+                    <a16:creationId xmlns:a16="http://schemas.microsoft.com/office/drawing/2014/main" id="{D8779DB4-CDD0-8346-BF57-7221839D9F49}"/>
+                  </a:ext>
+                </a:extLst>
+              </p:cNvPr>
+              <p:cNvCxnSpPr>
+                <a:cxnSpLocks/>
+              </p:cNvCxnSpPr>
+              <p:nvPr/>
+            </p:nvCxnSpPr>
+            <p:spPr>
+              <a:xfrm flipV="1">
+                <a:off x="10407373" y="5985056"/>
+                <a:ext cx="954498" cy="1"/>
+              </a:xfrm>
+              <a:prstGeom prst="line">
+                <a:avLst/>
+              </a:prstGeom>
+              <a:ln w="28575">
+                <a:prstDash val="dash"/>
+              </a:ln>
+            </p:spPr>
+            <p:style>
+              <a:lnRef idx="1">
+                <a:schemeClr val="accent1"/>
+              </a:lnRef>
+              <a:fillRef idx="0">
+                <a:schemeClr val="accent1"/>
+              </a:fillRef>
+              <a:effectRef idx="0">
+                <a:schemeClr val="accent1"/>
+              </a:effectRef>
+              <a:fontRef idx="minor">
+                <a:schemeClr val="tx1"/>
+              </a:fontRef>
+            </p:style>
+          </p:cxnSp>
+        </p:grpSp>
+        <p:sp>
+          <p:nvSpPr>
+            <p:cNvPr id="95" name="Oval 94">
+              <a:extLst>
+                <a:ext uri="{FF2B5EF4-FFF2-40B4-BE49-F238E27FC236}">
+                  <a16:creationId xmlns:a16="http://schemas.microsoft.com/office/drawing/2014/main" id="{B411B658-394D-D640-A579-0296D3B82C1F}"/>
+                </a:ext>
+              </a:extLst>
+            </p:cNvPr>
+            <p:cNvSpPr/>
+            <p:nvPr/>
+          </p:nvSpPr>
+          <p:spPr>
+            <a:xfrm>
+              <a:off x="10020621" y="3002910"/>
+              <a:ext cx="150312" cy="150312"/>
+            </a:xfrm>
+            <a:prstGeom prst="ellipse">
+              <a:avLst/>
+            </a:prstGeom>
+          </p:spPr>
+          <p:style>
+            <a:lnRef idx="2">
+              <a:schemeClr val="accent2">
+                <a:shade val="50000"/>
+              </a:schemeClr>
+            </a:lnRef>
+            <a:fillRef idx="1">
+              <a:schemeClr val="accent2"/>
+            </a:fillRef>
+            <a:effectRef idx="0">
+              <a:schemeClr val="accent2"/>
+            </a:effectRef>
+            <a:fontRef idx="minor">
+              <a:schemeClr val="lt1"/>
+            </a:fontRef>
+          </p:style>
+          <p:txBody>
+            <a:bodyPr rtlCol="0" anchor="ctr"/>
+            <a:lstStyle/>
+            <a:p>
+              <a:pPr algn="ctr"/>
+              <a:endParaRPr lang="en-US"/>
+            </a:p>
+          </p:txBody>
+        </p:sp>
+        <p:sp>
+          <p:nvSpPr>
+            <p:cNvPr id="115" name="Oval 114">
+              <a:extLst>
+                <a:ext uri="{FF2B5EF4-FFF2-40B4-BE49-F238E27FC236}">
+                  <a16:creationId xmlns:a16="http://schemas.microsoft.com/office/drawing/2014/main" id="{ACF11106-E81B-0D43-9788-0F29A1D1395E}"/>
+                </a:ext>
+              </a:extLst>
+            </p:cNvPr>
+            <p:cNvSpPr/>
+            <p:nvPr/>
+          </p:nvSpPr>
+          <p:spPr>
+            <a:xfrm>
+              <a:off x="11190679" y="3018502"/>
+              <a:ext cx="150312" cy="150312"/>
+            </a:xfrm>
+            <a:prstGeom prst="ellipse">
+              <a:avLst/>
+            </a:prstGeom>
+          </p:spPr>
+          <p:style>
+            <a:lnRef idx="2">
+              <a:schemeClr val="accent2">
+                <a:shade val="50000"/>
+              </a:schemeClr>
+            </a:lnRef>
+            <a:fillRef idx="1">
+              <a:schemeClr val="accent2"/>
+            </a:fillRef>
+            <a:effectRef idx="0">
+              <a:schemeClr val="accent2"/>
+            </a:effectRef>
+            <a:fontRef idx="minor">
+              <a:schemeClr val="lt1"/>
+            </a:fontRef>
+          </p:style>
+          <p:txBody>
+            <a:bodyPr rtlCol="0" anchor="ctr"/>
+            <a:lstStyle/>
+            <a:p>
+              <a:pPr algn="ctr"/>
+              <a:endParaRPr lang="en-US"/>
+            </a:p>
+          </p:txBody>
+        </p:sp>
+        <p:sp>
+          <p:nvSpPr>
+            <p:cNvPr id="116" name="Oval 115">
+              <a:extLst>
+                <a:ext uri="{FF2B5EF4-FFF2-40B4-BE49-F238E27FC236}">
+                  <a16:creationId xmlns:a16="http://schemas.microsoft.com/office/drawing/2014/main" id="{B07F23F6-4E83-8F46-B5EB-C6C6A1D4A662}"/>
+                </a:ext>
+              </a:extLst>
+            </p:cNvPr>
+            <p:cNvSpPr/>
+            <p:nvPr/>
+          </p:nvSpPr>
+          <p:spPr>
+            <a:xfrm>
+              <a:off x="10017240" y="4102617"/>
+              <a:ext cx="150312" cy="150312"/>
+            </a:xfrm>
+            <a:prstGeom prst="ellipse">
+              <a:avLst/>
+            </a:prstGeom>
+          </p:spPr>
+          <p:style>
+            <a:lnRef idx="2">
+              <a:schemeClr val="accent2">
+                <a:shade val="50000"/>
+              </a:schemeClr>
+            </a:lnRef>
+            <a:fillRef idx="1">
+              <a:schemeClr val="accent2"/>
+            </a:fillRef>
+            <a:effectRef idx="0">
+              <a:schemeClr val="accent2"/>
+            </a:effectRef>
+            <a:fontRef idx="minor">
+              <a:schemeClr val="lt1"/>
+            </a:fontRef>
+          </p:style>
+          <p:txBody>
+            <a:bodyPr rtlCol="0" anchor="ctr"/>
+            <a:lstStyle/>
+            <a:p>
+              <a:pPr algn="ctr"/>
+              <a:endParaRPr lang="en-US"/>
+            </a:p>
+          </p:txBody>
+        </p:sp>
+        <p:sp>
+          <p:nvSpPr>
+            <p:cNvPr id="131" name="Oval 130">
+              <a:extLst>
+                <a:ext uri="{FF2B5EF4-FFF2-40B4-BE49-F238E27FC236}">
+                  <a16:creationId xmlns:a16="http://schemas.microsoft.com/office/drawing/2014/main" id="{548254DF-361C-1543-836E-720B30A30563}"/>
+                </a:ext>
+              </a:extLst>
+            </p:cNvPr>
+            <p:cNvSpPr/>
+            <p:nvPr/>
+          </p:nvSpPr>
+          <p:spPr>
+            <a:xfrm>
+              <a:off x="11195525" y="4084090"/>
+              <a:ext cx="150312" cy="150312"/>
+            </a:xfrm>
+            <a:prstGeom prst="ellipse">
+              <a:avLst/>
+            </a:prstGeom>
+          </p:spPr>
+          <p:style>
+            <a:lnRef idx="2">
+              <a:schemeClr val="accent2">
+                <a:shade val="50000"/>
+              </a:schemeClr>
+            </a:lnRef>
+            <a:fillRef idx="1">
+              <a:schemeClr val="accent2"/>
+            </a:fillRef>
+            <a:effectRef idx="0">
+              <a:schemeClr val="accent2"/>
+            </a:effectRef>
+            <a:fontRef idx="minor">
+              <a:schemeClr val="lt1"/>
+            </a:fontRef>
+          </p:style>
+          <p:txBody>
+            <a:bodyPr rtlCol="0" anchor="ctr"/>
+            <a:lstStyle/>
+            <a:p>
+              <a:pPr algn="ctr"/>
+              <a:endParaRPr lang="en-US"/>
+            </a:p>
+          </p:txBody>
+        </p:sp>
+        <p:sp>
+          <p:nvSpPr>
+            <p:cNvPr id="134" name="Oval 133">
+              <a:extLst>
+                <a:ext uri="{FF2B5EF4-FFF2-40B4-BE49-F238E27FC236}">
+                  <a16:creationId xmlns:a16="http://schemas.microsoft.com/office/drawing/2014/main" id="{FE28FF3A-7F75-1E48-8C1B-ADF039B2D2EA}"/>
+                </a:ext>
+              </a:extLst>
+            </p:cNvPr>
+            <p:cNvSpPr/>
+            <p:nvPr/>
+          </p:nvSpPr>
+          <p:spPr>
+            <a:xfrm>
+              <a:off x="10376037" y="2481071"/>
+              <a:ext cx="150312" cy="150312"/>
+            </a:xfrm>
+            <a:prstGeom prst="ellipse">
+              <a:avLst/>
+            </a:prstGeom>
+          </p:spPr>
+          <p:style>
+            <a:lnRef idx="2">
+              <a:schemeClr val="accent2">
+                <a:shade val="50000"/>
+              </a:schemeClr>
+            </a:lnRef>
+            <a:fillRef idx="1">
+              <a:schemeClr val="accent2"/>
+            </a:fillRef>
+            <a:effectRef idx="0">
+              <a:schemeClr val="accent2"/>
+            </a:effectRef>
+            <a:fontRef idx="minor">
+              <a:schemeClr val="lt1"/>
+            </a:fontRef>
+          </p:style>
+          <p:txBody>
+            <a:bodyPr rtlCol="0" anchor="ctr"/>
+            <a:lstStyle/>
+            <a:p>
+              <a:pPr algn="ctr"/>
+              <a:endParaRPr lang="en-US"/>
+            </a:p>
+          </p:txBody>
+        </p:sp>
+        <p:sp>
+          <p:nvSpPr>
+            <p:cNvPr id="135" name="Oval 134">
+              <a:extLst>
+                <a:ext uri="{FF2B5EF4-FFF2-40B4-BE49-F238E27FC236}">
+                  <a16:creationId xmlns:a16="http://schemas.microsoft.com/office/drawing/2014/main" id="{BEA27BE3-B6CA-CB4F-87C9-2FA1D281840B}"/>
+                </a:ext>
+              </a:extLst>
+            </p:cNvPr>
+            <p:cNvSpPr/>
+            <p:nvPr/>
+          </p:nvSpPr>
+          <p:spPr>
+            <a:xfrm>
+              <a:off x="11551032" y="2485821"/>
+              <a:ext cx="150312" cy="150312"/>
+            </a:xfrm>
+            <a:prstGeom prst="ellipse">
+              <a:avLst/>
+            </a:prstGeom>
+          </p:spPr>
+          <p:style>
+            <a:lnRef idx="2">
+              <a:schemeClr val="accent2">
+                <a:shade val="50000"/>
+              </a:schemeClr>
+            </a:lnRef>
+            <a:fillRef idx="1">
+              <a:schemeClr val="accent2"/>
+            </a:fillRef>
+            <a:effectRef idx="0">
+              <a:schemeClr val="accent2"/>
+            </a:effectRef>
+            <a:fontRef idx="minor">
+              <a:schemeClr val="lt1"/>
+            </a:fontRef>
+          </p:style>
+          <p:txBody>
+            <a:bodyPr rtlCol="0" anchor="ctr"/>
+            <a:lstStyle/>
+            <a:p>
+              <a:pPr algn="ctr"/>
+              <a:endParaRPr lang="en-US"/>
+            </a:p>
+          </p:txBody>
+        </p:sp>
+        <p:sp>
+          <p:nvSpPr>
+            <p:cNvPr id="136" name="Oval 135">
+              <a:extLst>
+                <a:ext uri="{FF2B5EF4-FFF2-40B4-BE49-F238E27FC236}">
+                  <a16:creationId xmlns:a16="http://schemas.microsoft.com/office/drawing/2014/main" id="{12EBE4B3-B899-5844-866B-6FF8B1C6B46F}"/>
+                </a:ext>
+              </a:extLst>
+            </p:cNvPr>
+            <p:cNvSpPr/>
+            <p:nvPr/>
+          </p:nvSpPr>
+          <p:spPr>
+            <a:xfrm>
+              <a:off x="11547079" y="3554244"/>
+              <a:ext cx="150312" cy="150312"/>
+            </a:xfrm>
+            <a:prstGeom prst="ellipse">
+              <a:avLst/>
+            </a:prstGeom>
+          </p:spPr>
+          <p:style>
+            <a:lnRef idx="2">
+              <a:schemeClr val="accent2">
+                <a:shade val="50000"/>
+              </a:schemeClr>
+            </a:lnRef>
+            <a:fillRef idx="1">
+              <a:schemeClr val="accent2"/>
+            </a:fillRef>
+            <a:effectRef idx="0">
+              <a:schemeClr val="accent2"/>
+            </a:effectRef>
+            <a:fontRef idx="minor">
+              <a:schemeClr val="lt1"/>
+            </a:fontRef>
+          </p:style>
+          <p:txBody>
+            <a:bodyPr rtlCol="0" anchor="ctr"/>
+            <a:lstStyle/>
+            <a:p>
+              <a:pPr algn="ctr"/>
+              <a:endParaRPr lang="en-US"/>
+            </a:p>
+          </p:txBody>
+        </p:sp>
+        <p:sp>
+          <p:nvSpPr>
+            <p:cNvPr id="137" name="Oval 136">
+              <a:extLst>
+                <a:ext uri="{FF2B5EF4-FFF2-40B4-BE49-F238E27FC236}">
+                  <a16:creationId xmlns:a16="http://schemas.microsoft.com/office/drawing/2014/main" id="{193AB641-890B-2141-B70E-1217D5F109F7}"/>
+                </a:ext>
+              </a:extLst>
+            </p:cNvPr>
+            <p:cNvSpPr/>
+            <p:nvPr/>
+          </p:nvSpPr>
+          <p:spPr>
+            <a:xfrm>
+              <a:off x="10382067" y="3558993"/>
+              <a:ext cx="150312" cy="150312"/>
+            </a:xfrm>
+            <a:prstGeom prst="ellipse">
+              <a:avLst/>
+            </a:prstGeom>
+          </p:spPr>
+          <p:style>
+            <a:lnRef idx="2">
+              <a:schemeClr val="accent2">
+                <a:shade val="50000"/>
+              </a:schemeClr>
+            </a:lnRef>
+            <a:fillRef idx="1">
+              <a:schemeClr val="accent2"/>
+            </a:fillRef>
+            <a:effectRef idx="0">
+              <a:schemeClr val="accent2"/>
+            </a:effectRef>
+            <a:fontRef idx="minor">
+              <a:schemeClr val="lt1"/>
+            </a:fontRef>
+          </p:style>
+          <p:txBody>
+            <a:bodyPr rtlCol="0" anchor="ctr"/>
+            <a:lstStyle/>
+            <a:p>
+              <a:pPr algn="ctr"/>
+              <a:endParaRPr lang="en-US"/>
+            </a:p>
+          </p:txBody>
+        </p:sp>
+        <p:sp>
+          <p:nvSpPr>
+            <p:cNvPr id="142" name="TextBox 141">
+              <a:extLst>
+                <a:ext uri="{FF2B5EF4-FFF2-40B4-BE49-F238E27FC236}">
+                  <a16:creationId xmlns:a16="http://schemas.microsoft.com/office/drawing/2014/main" id="{A7516E5E-3829-6D4F-BD6D-A2E3B7214D61}"/>
+                </a:ext>
+              </a:extLst>
+            </p:cNvPr>
+            <p:cNvSpPr txBox="1"/>
+            <p:nvPr/>
+          </p:nvSpPr>
+          <p:spPr>
+            <a:xfrm>
+              <a:off x="10395079" y="4194703"/>
+              <a:ext cx="788357" cy="369332"/>
+            </a:xfrm>
+            <a:prstGeom prst="rect">
+              <a:avLst/>
+            </a:prstGeom>
+            <a:noFill/>
+          </p:spPr>
+          <p:txBody>
+            <a:bodyPr wrap="none" rtlCol="0">
+              <a:spAutoFit/>
+            </a:bodyPr>
+            <a:lstStyle/>
+            <a:p>
+              <a:r>
+                <a:rPr lang="en-US" dirty="0"/>
+                <a:t>VOXEL</a:t>
+              </a:r>
+            </a:p>
+          </p:txBody>
+        </p:sp>
+      </p:grpSp>
+      <p:grpSp>
+        <p:nvGrpSpPr>
+          <p:cNvPr id="63" name="Group 62">
+            <a:extLst>
+              <a:ext uri="{FF2B5EF4-FFF2-40B4-BE49-F238E27FC236}">
+                <a16:creationId xmlns:a16="http://schemas.microsoft.com/office/drawing/2014/main" id="{47F73141-5D0A-9240-928C-8DA662137298}"/>
+              </a:ext>
+            </a:extLst>
+          </p:cNvPr>
+          <p:cNvGrpSpPr/>
+          <p:nvPr/>
+        </p:nvGrpSpPr>
+        <p:grpSpPr>
+          <a:xfrm>
+            <a:off x="9306161" y="3832457"/>
+            <a:ext cx="774054" cy="966002"/>
+            <a:chOff x="9222181" y="3824058"/>
+            <a:chExt cx="1000130" cy="1248140"/>
+          </a:xfrm>
+        </p:grpSpPr>
+        <p:cxnSp>
+          <p:nvCxnSpPr>
+            <p:cNvPr id="30" name="Straight Arrow Connector 29">
+              <a:extLst>
+                <a:ext uri="{FF2B5EF4-FFF2-40B4-BE49-F238E27FC236}">
+                  <a16:creationId xmlns:a16="http://schemas.microsoft.com/office/drawing/2014/main" id="{638E1E9F-7FEB-2F4C-8242-C84D446F475C}"/>
+                </a:ext>
+              </a:extLst>
+            </p:cNvPr>
+            <p:cNvCxnSpPr>
+              <a:cxnSpLocks/>
+            </p:cNvCxnSpPr>
+            <p:nvPr/>
+          </p:nvCxnSpPr>
+          <p:spPr>
+            <a:xfrm>
+              <a:off x="9379131" y="4898571"/>
+              <a:ext cx="628652" cy="0"/>
+            </a:xfrm>
+            <a:prstGeom prst="straightConnector1">
+              <a:avLst/>
+            </a:prstGeom>
+            <a:ln w="38100">
+              <a:solidFill>
+                <a:srgbClr val="FF0000"/>
+              </a:solidFill>
+              <a:tailEnd type="triangle"/>
+            </a:ln>
+          </p:spPr>
+          <p:style>
+            <a:lnRef idx="1">
+              <a:schemeClr val="accent1"/>
+            </a:lnRef>
+            <a:fillRef idx="0">
+              <a:schemeClr val="accent1"/>
+            </a:fillRef>
+            <a:effectRef idx="0">
+              <a:schemeClr val="accent1"/>
+            </a:effectRef>
+            <a:fontRef idx="minor">
+              <a:schemeClr val="tx1"/>
+            </a:fontRef>
+          </p:style>
+        </p:cxnSp>
+        <p:cxnSp>
+          <p:nvCxnSpPr>
+            <p:cNvPr id="151" name="Straight Arrow Connector 150">
+              <a:extLst>
+                <a:ext uri="{FF2B5EF4-FFF2-40B4-BE49-F238E27FC236}">
+                  <a16:creationId xmlns:a16="http://schemas.microsoft.com/office/drawing/2014/main" id="{D5C92653-E392-7343-B78A-44BF2A185962}"/>
+                </a:ext>
+              </a:extLst>
+            </p:cNvPr>
+            <p:cNvCxnSpPr>
+              <a:cxnSpLocks/>
+            </p:cNvCxnSpPr>
+            <p:nvPr/>
+          </p:nvCxnSpPr>
+          <p:spPr>
+            <a:xfrm flipV="1">
+              <a:off x="9382701" y="4400853"/>
+              <a:ext cx="401889" cy="505095"/>
+            </a:xfrm>
+            <a:prstGeom prst="straightConnector1">
+              <a:avLst/>
+            </a:prstGeom>
+            <a:ln w="38100">
+              <a:solidFill>
+                <a:srgbClr val="00B050"/>
+              </a:solidFill>
+              <a:tailEnd type="triangle"/>
+            </a:ln>
+          </p:spPr>
+          <p:style>
+            <a:lnRef idx="1">
+              <a:schemeClr val="accent1"/>
+            </a:lnRef>
+            <a:fillRef idx="0">
+              <a:schemeClr val="accent1"/>
+            </a:fillRef>
+            <a:effectRef idx="0">
+              <a:schemeClr val="accent1"/>
+            </a:effectRef>
+            <a:fontRef idx="minor">
+              <a:schemeClr val="tx1"/>
+            </a:fontRef>
+          </p:style>
+        </p:cxnSp>
+        <p:cxnSp>
+          <p:nvCxnSpPr>
+            <p:cNvPr id="152" name="Straight Arrow Connector 151">
+              <a:extLst>
+                <a:ext uri="{FF2B5EF4-FFF2-40B4-BE49-F238E27FC236}">
+                  <a16:creationId xmlns:a16="http://schemas.microsoft.com/office/drawing/2014/main" id="{1B99F5C8-0D6D-1842-A90F-916F6B2F53DF}"/>
+                </a:ext>
+              </a:extLst>
+            </p:cNvPr>
+            <p:cNvCxnSpPr>
+              <a:cxnSpLocks/>
+            </p:cNvCxnSpPr>
+            <p:nvPr/>
+          </p:nvCxnSpPr>
+          <p:spPr>
+            <a:xfrm flipV="1">
+              <a:off x="9379131" y="4216187"/>
+              <a:ext cx="0" cy="713307"/>
+            </a:xfrm>
+            <a:prstGeom prst="straightConnector1">
+              <a:avLst/>
+            </a:prstGeom>
+            <a:ln w="38100">
+              <a:solidFill>
+                <a:srgbClr val="0070C0"/>
+              </a:solidFill>
+              <a:tailEnd type="triangle"/>
+            </a:ln>
+          </p:spPr>
+          <p:style>
+            <a:lnRef idx="1">
+              <a:schemeClr val="accent1"/>
+            </a:lnRef>
+            <a:fillRef idx="0">
+              <a:schemeClr val="accent1"/>
+            </a:fillRef>
+            <a:effectRef idx="0">
+              <a:schemeClr val="accent1"/>
+            </a:effectRef>
+            <a:fontRef idx="minor">
+              <a:schemeClr val="tx1"/>
+            </a:fontRef>
+          </p:style>
+        </p:cxnSp>
+        <p:sp>
+          <p:nvSpPr>
+            <p:cNvPr id="153" name="TextBox 152">
+              <a:extLst>
+                <a:ext uri="{FF2B5EF4-FFF2-40B4-BE49-F238E27FC236}">
+                  <a16:creationId xmlns:a16="http://schemas.microsoft.com/office/drawing/2014/main" id="{EEA98E0A-0F66-9042-A1B0-4A758B1080A4}"/>
+                </a:ext>
+              </a:extLst>
+            </p:cNvPr>
+            <p:cNvSpPr txBox="1"/>
+            <p:nvPr/>
+          </p:nvSpPr>
+          <p:spPr>
+            <a:xfrm>
+              <a:off x="9938259" y="4702866"/>
+              <a:ext cx="284052" cy="369332"/>
+            </a:xfrm>
+            <a:prstGeom prst="rect">
+              <a:avLst/>
+            </a:prstGeom>
+            <a:noFill/>
+          </p:spPr>
+          <p:txBody>
+            <a:bodyPr wrap="none" rtlCol="0">
+              <a:spAutoFit/>
+            </a:bodyPr>
+            <a:lstStyle/>
+            <a:p>
+              <a:r>
+                <a:rPr lang="en-US" dirty="0"/>
+                <a:t>x</a:t>
+              </a:r>
+            </a:p>
+          </p:txBody>
+        </p:sp>
+        <p:sp>
+          <p:nvSpPr>
+            <p:cNvPr id="154" name="TextBox 153">
+              <a:extLst>
+                <a:ext uri="{FF2B5EF4-FFF2-40B4-BE49-F238E27FC236}">
+                  <a16:creationId xmlns:a16="http://schemas.microsoft.com/office/drawing/2014/main" id="{2D27594D-E3D8-0F4E-876C-10422FE64A71}"/>
+                </a:ext>
+              </a:extLst>
+            </p:cNvPr>
+            <p:cNvSpPr txBox="1"/>
+            <p:nvPr/>
+          </p:nvSpPr>
+          <p:spPr>
+            <a:xfrm>
+              <a:off x="9746010" y="4148102"/>
+              <a:ext cx="288862" cy="369332"/>
+            </a:xfrm>
+            <a:prstGeom prst="rect">
+              <a:avLst/>
+            </a:prstGeom>
+            <a:noFill/>
+          </p:spPr>
+          <p:txBody>
+            <a:bodyPr wrap="none" rtlCol="0">
+              <a:spAutoFit/>
+            </a:bodyPr>
+            <a:lstStyle/>
+            <a:p>
+              <a:r>
+                <a:rPr lang="en-US" dirty="0"/>
+                <a:t>y</a:t>
+              </a:r>
+            </a:p>
+          </p:txBody>
+        </p:sp>
+        <p:sp>
+          <p:nvSpPr>
+            <p:cNvPr id="156" name="TextBox 155">
+              <a:extLst>
+                <a:ext uri="{FF2B5EF4-FFF2-40B4-BE49-F238E27FC236}">
+                  <a16:creationId xmlns:a16="http://schemas.microsoft.com/office/drawing/2014/main" id="{A20572FF-2B0B-4C4D-88FC-15A4F54AC33A}"/>
+                </a:ext>
+              </a:extLst>
+            </p:cNvPr>
+            <p:cNvSpPr txBox="1"/>
+            <p:nvPr/>
+          </p:nvSpPr>
+          <p:spPr>
+            <a:xfrm>
+              <a:off x="9222181" y="3824058"/>
+              <a:ext cx="276039" cy="369332"/>
+            </a:xfrm>
+            <a:prstGeom prst="rect">
+              <a:avLst/>
+            </a:prstGeom>
+            <a:noFill/>
+          </p:spPr>
+          <p:txBody>
+            <a:bodyPr wrap="none" rtlCol="0">
+              <a:spAutoFit/>
+            </a:bodyPr>
+            <a:lstStyle/>
+            <a:p>
+              <a:r>
+                <a:rPr lang="en-US" dirty="0"/>
+                <a:t>z</a:t>
+              </a:r>
+            </a:p>
+          </p:txBody>
+        </p:sp>
+      </p:grpSp>
+      <p:sp>
+        <p:nvSpPr>
+          <p:cNvPr id="139" name="TextBox 138">
+            <a:extLst>
+              <a:ext uri="{FF2B5EF4-FFF2-40B4-BE49-F238E27FC236}">
+                <a16:creationId xmlns:a16="http://schemas.microsoft.com/office/drawing/2014/main" id="{08EA57F5-C00F-9247-990A-E23A5E10EF17}"/>
+              </a:ext>
+            </a:extLst>
+          </p:cNvPr>
+          <p:cNvSpPr txBox="1"/>
+          <p:nvPr/>
+        </p:nvSpPr>
+        <p:spPr>
+          <a:xfrm>
+            <a:off x="7573174" y="4198865"/>
+            <a:ext cx="301686" cy="369332"/>
+          </a:xfrm>
+          <a:prstGeom prst="rect">
+            <a:avLst/>
+          </a:prstGeom>
+          <a:noFill/>
+        </p:spPr>
+        <p:txBody>
+          <a:bodyPr wrap="none" rtlCol="0">
+            <a:spAutoFit/>
+          </a:bodyPr>
+          <a:lstStyle/>
+          <a:p>
+            <a:r>
+              <a:rPr lang="en-US" dirty="0"/>
+              <a:t>0</a:t>
+            </a:r>
+          </a:p>
+        </p:txBody>
+      </p:sp>
+      <p:sp>
+        <p:nvSpPr>
+          <p:cNvPr id="143" name="TextBox 142">
+            <a:extLst>
+              <a:ext uri="{FF2B5EF4-FFF2-40B4-BE49-F238E27FC236}">
+                <a16:creationId xmlns:a16="http://schemas.microsoft.com/office/drawing/2014/main" id="{E7EDEF32-1E5E-E546-9CFC-2847DC3297AB}"/>
+              </a:ext>
+            </a:extLst>
+          </p:cNvPr>
+          <p:cNvSpPr txBox="1"/>
+          <p:nvPr/>
+        </p:nvSpPr>
+        <p:spPr>
+          <a:xfrm>
+            <a:off x="8639946" y="4041294"/>
+            <a:ext cx="301686" cy="369332"/>
+          </a:xfrm>
+          <a:prstGeom prst="rect">
+            <a:avLst/>
+          </a:prstGeom>
+          <a:noFill/>
+        </p:spPr>
+        <p:txBody>
+          <a:bodyPr wrap="none" rtlCol="0">
+            <a:spAutoFit/>
+          </a:bodyPr>
+          <a:lstStyle/>
+          <a:p>
+            <a:r>
+              <a:rPr lang="en-US" dirty="0"/>
+              <a:t>1</a:t>
+            </a:r>
+          </a:p>
+        </p:txBody>
+      </p:sp>
+      <p:sp>
+        <p:nvSpPr>
+          <p:cNvPr id="144" name="TextBox 143">
+            <a:extLst>
+              <a:ext uri="{FF2B5EF4-FFF2-40B4-BE49-F238E27FC236}">
+                <a16:creationId xmlns:a16="http://schemas.microsoft.com/office/drawing/2014/main" id="{63A3E20E-F40F-E642-B361-78CDEFF90545}"/>
+              </a:ext>
+            </a:extLst>
+          </p:cNvPr>
+          <p:cNvSpPr txBox="1"/>
+          <p:nvPr/>
+        </p:nvSpPr>
+        <p:spPr>
+          <a:xfrm>
+            <a:off x="7845121" y="3617759"/>
+            <a:ext cx="301686" cy="369332"/>
+          </a:xfrm>
+          <a:prstGeom prst="rect">
+            <a:avLst/>
+          </a:prstGeom>
+          <a:noFill/>
+        </p:spPr>
+        <p:txBody>
+          <a:bodyPr wrap="none" rtlCol="0">
+            <a:spAutoFit/>
+          </a:bodyPr>
+          <a:lstStyle/>
+          <a:p>
+            <a:r>
+              <a:rPr lang="en-US" dirty="0"/>
+              <a:t>3</a:t>
+            </a:r>
+          </a:p>
+        </p:txBody>
+      </p:sp>
+      <p:sp>
+        <p:nvSpPr>
+          <p:cNvPr id="145" name="TextBox 144">
+            <a:extLst>
+              <a:ext uri="{FF2B5EF4-FFF2-40B4-BE49-F238E27FC236}">
+                <a16:creationId xmlns:a16="http://schemas.microsoft.com/office/drawing/2014/main" id="{3E96A36A-2EB3-D24C-8464-14C3B222A93D}"/>
+              </a:ext>
+            </a:extLst>
+          </p:cNvPr>
+          <p:cNvSpPr txBox="1"/>
+          <p:nvPr/>
+        </p:nvSpPr>
+        <p:spPr>
+          <a:xfrm>
+            <a:off x="8899533" y="3444218"/>
+            <a:ext cx="301686" cy="369332"/>
+          </a:xfrm>
+          <a:prstGeom prst="rect">
+            <a:avLst/>
+          </a:prstGeom>
+          <a:noFill/>
+        </p:spPr>
+        <p:txBody>
+          <a:bodyPr wrap="none" rtlCol="0">
+            <a:spAutoFit/>
+          </a:bodyPr>
+          <a:lstStyle/>
+          <a:p>
+            <a:r>
+              <a:rPr lang="en-US" dirty="0"/>
+              <a:t>2</a:t>
+            </a:r>
+          </a:p>
+        </p:txBody>
+      </p:sp>
+      <p:sp>
+        <p:nvSpPr>
+          <p:cNvPr id="146" name="TextBox 145">
+            <a:extLst>
+              <a:ext uri="{FF2B5EF4-FFF2-40B4-BE49-F238E27FC236}">
+                <a16:creationId xmlns:a16="http://schemas.microsoft.com/office/drawing/2014/main" id="{6B06282B-FC26-3946-8F2F-D44BFE874208}"/>
+              </a:ext>
+            </a:extLst>
+          </p:cNvPr>
+          <p:cNvSpPr txBox="1"/>
+          <p:nvPr/>
+        </p:nvSpPr>
+        <p:spPr>
+          <a:xfrm>
+            <a:off x="7245477" y="3103717"/>
+            <a:ext cx="301686" cy="369332"/>
+          </a:xfrm>
+          <a:prstGeom prst="rect">
+            <a:avLst/>
+          </a:prstGeom>
+          <a:noFill/>
+        </p:spPr>
+        <p:txBody>
+          <a:bodyPr wrap="none" rtlCol="0">
+            <a:spAutoFit/>
+          </a:bodyPr>
+          <a:lstStyle/>
+          <a:p>
+            <a:r>
+              <a:rPr lang="en-US" dirty="0"/>
+              <a:t>4</a:t>
+            </a:r>
+          </a:p>
+        </p:txBody>
+      </p:sp>
+      <p:sp>
+        <p:nvSpPr>
+          <p:cNvPr id="147" name="TextBox 146">
+            <a:extLst>
+              <a:ext uri="{FF2B5EF4-FFF2-40B4-BE49-F238E27FC236}">
+                <a16:creationId xmlns:a16="http://schemas.microsoft.com/office/drawing/2014/main" id="{5132E89D-4E4E-2E41-873B-2558E4F3920D}"/>
+              </a:ext>
+            </a:extLst>
+          </p:cNvPr>
+          <p:cNvSpPr txBox="1"/>
+          <p:nvPr/>
+        </p:nvSpPr>
+        <p:spPr>
+          <a:xfrm>
+            <a:off x="8503413" y="2923482"/>
+            <a:ext cx="301686" cy="369332"/>
+          </a:xfrm>
+          <a:prstGeom prst="rect">
+            <a:avLst/>
+          </a:prstGeom>
+          <a:noFill/>
+        </p:spPr>
+        <p:txBody>
+          <a:bodyPr wrap="none" rtlCol="0">
+            <a:spAutoFit/>
+          </a:bodyPr>
+          <a:lstStyle/>
+          <a:p>
+            <a:r>
+              <a:rPr lang="en-US" dirty="0"/>
+              <a:t>5</a:t>
+            </a:r>
+          </a:p>
+        </p:txBody>
+      </p:sp>
+      <p:sp>
+        <p:nvSpPr>
+          <p:cNvPr id="148" name="TextBox 147">
+            <a:extLst>
+              <a:ext uri="{FF2B5EF4-FFF2-40B4-BE49-F238E27FC236}">
+                <a16:creationId xmlns:a16="http://schemas.microsoft.com/office/drawing/2014/main" id="{35FED767-383A-A04B-A82E-843DA1D70B29}"/>
+              </a:ext>
+            </a:extLst>
+          </p:cNvPr>
+          <p:cNvSpPr txBox="1"/>
+          <p:nvPr/>
+        </p:nvSpPr>
+        <p:spPr>
+          <a:xfrm>
+            <a:off x="9009905" y="2255655"/>
+            <a:ext cx="301686" cy="369332"/>
+          </a:xfrm>
+          <a:prstGeom prst="rect">
+            <a:avLst/>
+          </a:prstGeom>
+          <a:noFill/>
+        </p:spPr>
+        <p:txBody>
+          <a:bodyPr wrap="none" rtlCol="0">
+            <a:spAutoFit/>
+          </a:bodyPr>
+          <a:lstStyle/>
+          <a:p>
+            <a:r>
+              <a:rPr lang="en-US" dirty="0"/>
+              <a:t>6</a:t>
+            </a:r>
+          </a:p>
+        </p:txBody>
+      </p:sp>
+      <p:sp>
+        <p:nvSpPr>
+          <p:cNvPr id="149" name="TextBox 148">
+            <a:extLst>
+              <a:ext uri="{FF2B5EF4-FFF2-40B4-BE49-F238E27FC236}">
+                <a16:creationId xmlns:a16="http://schemas.microsoft.com/office/drawing/2014/main" id="{7D6C8F6F-AE1B-0842-BBC4-72DDED107683}"/>
+              </a:ext>
+            </a:extLst>
+          </p:cNvPr>
+          <p:cNvSpPr txBox="1"/>
+          <p:nvPr/>
+        </p:nvSpPr>
+        <p:spPr>
+          <a:xfrm>
+            <a:off x="7557768" y="2419594"/>
+            <a:ext cx="301686" cy="369332"/>
+          </a:xfrm>
+          <a:prstGeom prst="rect">
+            <a:avLst/>
+          </a:prstGeom>
+          <a:noFill/>
+        </p:spPr>
+        <p:txBody>
+          <a:bodyPr wrap="none" rtlCol="0">
+            <a:spAutoFit/>
+          </a:bodyPr>
+          <a:lstStyle/>
+          <a:p>
+            <a:r>
+              <a:rPr lang="en-US" dirty="0"/>
+              <a:t>7</a:t>
+            </a:r>
+          </a:p>
+        </p:txBody>
+      </p:sp>
     </p:spTree>
     <p:extLst>
       <p:ext uri="{BB962C8B-B14F-4D97-AF65-F5344CB8AC3E}">
         <p14:creationId xmlns:p14="http://schemas.microsoft.com/office/powerpoint/2010/main" val="2221158931"/>
+      </p:ext>
+    </p:extLst>
+  </p:cSld>
+  <p:clrMapOvr>
+    <a:masterClrMapping/>
+  </p:clrMapOvr>
+</p:sld>
+</file>
+
+<file path=ppt/slides/slide3.xml><?xml version="1.0" encoding="utf-8"?>
+<p:sld xmlns:a="http://schemas.openxmlformats.org/drawingml/2006/main" xmlns:r="http://schemas.openxmlformats.org/officeDocument/2006/relationships" xmlns:p="http://schemas.openxmlformats.org/presentationml/2006/main">
+  <p:cSld>
+    <p:spTree>
+      <p:nvGrpSpPr>
+        <p:cNvPr id="1" name=""/>
+        <p:cNvGrpSpPr/>
+        <p:nvPr/>
+      </p:nvGrpSpPr>
+      <p:grpSpPr>
+        <a:xfrm>
+          <a:off x="0" y="0"/>
+          <a:ext cx="0" cy="0"/>
+          <a:chOff x="0" y="0"/>
+          <a:chExt cx="0" cy="0"/>
+        </a:xfrm>
+      </p:grpSpPr>
+      <p:sp>
+        <p:nvSpPr>
+          <p:cNvPr id="5" name="Can 4">
+            <a:extLst>
+              <a:ext uri="{FF2B5EF4-FFF2-40B4-BE49-F238E27FC236}">
+                <a16:creationId xmlns:a16="http://schemas.microsoft.com/office/drawing/2014/main" id="{913E5520-DA1F-8C47-B288-72B6335D8D42}"/>
+              </a:ext>
+            </a:extLst>
+          </p:cNvPr>
+          <p:cNvSpPr/>
+          <p:nvPr/>
+        </p:nvSpPr>
+        <p:spPr>
+          <a:xfrm>
+            <a:off x="5193801" y="1422114"/>
+            <a:ext cx="837973" cy="1489289"/>
+          </a:xfrm>
+          <a:prstGeom prst="can">
+            <a:avLst/>
+          </a:prstGeom>
+        </p:spPr>
+        <p:style>
+          <a:lnRef idx="1">
+            <a:schemeClr val="accent1"/>
+          </a:lnRef>
+          <a:fillRef idx="2">
+            <a:schemeClr val="accent1"/>
+          </a:fillRef>
+          <a:effectRef idx="1">
+            <a:schemeClr val="accent1"/>
+          </a:effectRef>
+          <a:fontRef idx="minor">
+            <a:schemeClr val="dk1"/>
+          </a:fontRef>
+        </p:style>
+        <p:txBody>
+          <a:bodyPr rtlCol="0" anchor="ctr"/>
+          <a:lstStyle/>
+          <a:p>
+            <a:pPr algn="ctr"/>
+            <a:endParaRPr lang="en-US" dirty="0"/>
+          </a:p>
+        </p:txBody>
+      </p:sp>
+      <p:sp>
+        <p:nvSpPr>
+          <p:cNvPr id="4" name="Parallelogram 3">
+            <a:extLst>
+              <a:ext uri="{FF2B5EF4-FFF2-40B4-BE49-F238E27FC236}">
+                <a16:creationId xmlns:a16="http://schemas.microsoft.com/office/drawing/2014/main" id="{62C5219A-1B28-FA41-8EEA-8EEC23286E6D}"/>
+              </a:ext>
+            </a:extLst>
+          </p:cNvPr>
+          <p:cNvSpPr/>
+          <p:nvPr/>
+        </p:nvSpPr>
+        <p:spPr>
+          <a:xfrm rot="16200000">
+            <a:off x="2679223" y="1873181"/>
+            <a:ext cx="2831966" cy="2638697"/>
+          </a:xfrm>
+          <a:prstGeom prst="parallelogram">
+            <a:avLst/>
+          </a:prstGeom>
+          <a:solidFill>
+            <a:srgbClr val="E7E6E6">
+              <a:alpha val="85098"/>
+            </a:srgbClr>
+          </a:solidFill>
+          <a:ln w="38100">
+            <a:solidFill>
+              <a:schemeClr val="tx1"/>
+            </a:solidFill>
+          </a:ln>
+        </p:spPr>
+        <p:style>
+          <a:lnRef idx="2">
+            <a:schemeClr val="accent1">
+              <a:shade val="50000"/>
+            </a:schemeClr>
+          </a:lnRef>
+          <a:fillRef idx="1">
+            <a:schemeClr val="accent1"/>
+          </a:fillRef>
+          <a:effectRef idx="0">
+            <a:schemeClr val="accent1"/>
+          </a:effectRef>
+          <a:fontRef idx="minor">
+            <a:schemeClr val="lt1"/>
+          </a:fontRef>
+        </p:style>
+        <p:txBody>
+          <a:bodyPr rtlCol="0" anchor="ctr"/>
+          <a:lstStyle/>
+          <a:p>
+            <a:pPr algn="ctr"/>
+            <a:endParaRPr lang="en-US" dirty="0"/>
+          </a:p>
+        </p:txBody>
+      </p:sp>
+      <p:cxnSp>
+        <p:nvCxnSpPr>
+          <p:cNvPr id="7" name="Straight Arrow Connector 6">
+            <a:extLst>
+              <a:ext uri="{FF2B5EF4-FFF2-40B4-BE49-F238E27FC236}">
+                <a16:creationId xmlns:a16="http://schemas.microsoft.com/office/drawing/2014/main" id="{B5D2309E-4F81-EB48-80C8-4B8A4892A0A4}"/>
+              </a:ext>
+            </a:extLst>
+          </p:cNvPr>
+          <p:cNvCxnSpPr>
+            <a:cxnSpLocks/>
+          </p:cNvCxnSpPr>
+          <p:nvPr/>
+        </p:nvCxnSpPr>
+        <p:spPr>
+          <a:xfrm>
+            <a:off x="4095206" y="3310095"/>
+            <a:ext cx="2000794" cy="478134"/>
+          </a:xfrm>
+          <a:prstGeom prst="straightConnector1">
+            <a:avLst/>
+          </a:prstGeom>
+          <a:ln w="57150">
+            <a:solidFill>
+              <a:srgbClr val="FF0000"/>
+            </a:solidFill>
+            <a:tailEnd type="triangle"/>
+          </a:ln>
+        </p:spPr>
+        <p:style>
+          <a:lnRef idx="1">
+            <a:schemeClr val="accent1"/>
+          </a:lnRef>
+          <a:fillRef idx="0">
+            <a:schemeClr val="accent1"/>
+          </a:fillRef>
+          <a:effectRef idx="0">
+            <a:schemeClr val="accent1"/>
+          </a:effectRef>
+          <a:fontRef idx="minor">
+            <a:schemeClr val="tx1"/>
+          </a:fontRef>
+        </p:style>
+      </p:cxnSp>
+      <p:cxnSp>
+        <p:nvCxnSpPr>
+          <p:cNvPr id="10" name="Straight Arrow Connector 9">
+            <a:extLst>
+              <a:ext uri="{FF2B5EF4-FFF2-40B4-BE49-F238E27FC236}">
+                <a16:creationId xmlns:a16="http://schemas.microsoft.com/office/drawing/2014/main" id="{58D23539-7F86-2149-949E-75159984ADA4}"/>
+              </a:ext>
+            </a:extLst>
+          </p:cNvPr>
+          <p:cNvCxnSpPr>
+            <a:cxnSpLocks/>
+          </p:cNvCxnSpPr>
+          <p:nvPr/>
+        </p:nvCxnSpPr>
+        <p:spPr>
+          <a:xfrm flipH="1">
+            <a:off x="3080883" y="3285728"/>
+            <a:ext cx="1014325" cy="1027968"/>
+          </a:xfrm>
+          <a:prstGeom prst="straightConnector1">
+            <a:avLst/>
+          </a:prstGeom>
+          <a:ln w="57150">
+            <a:solidFill>
+              <a:srgbClr val="0070C0"/>
+            </a:solidFill>
+            <a:tailEnd type="triangle"/>
+          </a:ln>
+        </p:spPr>
+        <p:style>
+          <a:lnRef idx="1">
+            <a:schemeClr val="accent1"/>
+          </a:lnRef>
+          <a:fillRef idx="0">
+            <a:schemeClr val="accent1"/>
+          </a:fillRef>
+          <a:effectRef idx="0">
+            <a:schemeClr val="accent1"/>
+          </a:effectRef>
+          <a:fontRef idx="minor">
+            <a:schemeClr val="tx1"/>
+          </a:fontRef>
+        </p:style>
+      </p:cxnSp>
+      <p:sp>
+        <p:nvSpPr>
+          <p:cNvPr id="13" name="TextBox 12">
+            <a:extLst>
+              <a:ext uri="{FF2B5EF4-FFF2-40B4-BE49-F238E27FC236}">
+                <a16:creationId xmlns:a16="http://schemas.microsoft.com/office/drawing/2014/main" id="{D2490459-880C-EE40-AA21-0E9343B722F3}"/>
+              </a:ext>
+            </a:extLst>
+          </p:cNvPr>
+          <p:cNvSpPr txBox="1"/>
+          <p:nvPr/>
+        </p:nvSpPr>
+        <p:spPr>
+          <a:xfrm>
+            <a:off x="2648713" y="4294256"/>
+            <a:ext cx="692818" cy="369332"/>
+          </a:xfrm>
+          <a:prstGeom prst="rect">
+            <a:avLst/>
+          </a:prstGeom>
+          <a:noFill/>
+        </p:spPr>
+        <p:txBody>
+          <a:bodyPr wrap="none" rtlCol="0">
+            <a:spAutoFit/>
+          </a:bodyPr>
+          <a:lstStyle/>
+          <a:p>
+            <a:r>
+              <a:rPr lang="en-US" dirty="0" err="1"/>
+              <a:t>dirPrj</a:t>
+            </a:r>
+            <a:endParaRPr lang="en-US" dirty="0"/>
+          </a:p>
+        </p:txBody>
+      </p:sp>
+      <p:sp>
+        <p:nvSpPr>
+          <p:cNvPr id="14" name="TextBox 13">
+            <a:extLst>
+              <a:ext uri="{FF2B5EF4-FFF2-40B4-BE49-F238E27FC236}">
+                <a16:creationId xmlns:a16="http://schemas.microsoft.com/office/drawing/2014/main" id="{55D1A2FF-6C4A-1044-BAD2-FCEF0BF978C2}"/>
+              </a:ext>
+            </a:extLst>
+          </p:cNvPr>
+          <p:cNvSpPr txBox="1"/>
+          <p:nvPr/>
+        </p:nvSpPr>
+        <p:spPr>
+          <a:xfrm>
+            <a:off x="6096000" y="3580465"/>
+            <a:ext cx="1018227" cy="369332"/>
+          </a:xfrm>
+          <a:prstGeom prst="rect">
+            <a:avLst/>
+          </a:prstGeom>
+          <a:noFill/>
+        </p:spPr>
+        <p:txBody>
+          <a:bodyPr wrap="none" rtlCol="0">
+            <a:spAutoFit/>
+          </a:bodyPr>
+          <a:lstStyle/>
+          <a:p>
+            <a:r>
+              <a:rPr lang="en-US" dirty="0" err="1"/>
+              <a:t>dirWidth</a:t>
+            </a:r>
+            <a:endParaRPr lang="en-US" dirty="0"/>
+          </a:p>
+        </p:txBody>
+      </p:sp>
+      <p:sp>
+        <p:nvSpPr>
+          <p:cNvPr id="16" name="TextBox 15">
+            <a:extLst>
+              <a:ext uri="{FF2B5EF4-FFF2-40B4-BE49-F238E27FC236}">
+                <a16:creationId xmlns:a16="http://schemas.microsoft.com/office/drawing/2014/main" id="{677B6648-D4A0-7349-A1FA-681C5B4353D7}"/>
+              </a:ext>
+            </a:extLst>
+          </p:cNvPr>
+          <p:cNvSpPr txBox="1"/>
+          <p:nvPr/>
+        </p:nvSpPr>
+        <p:spPr>
+          <a:xfrm>
+            <a:off x="3316017" y="3028970"/>
+            <a:ext cx="745782" cy="369332"/>
+          </a:xfrm>
+          <a:prstGeom prst="rect">
+            <a:avLst/>
+          </a:prstGeom>
+          <a:noFill/>
+        </p:spPr>
+        <p:txBody>
+          <a:bodyPr wrap="none" rtlCol="0">
+            <a:spAutoFit/>
+          </a:bodyPr>
+          <a:lstStyle/>
+          <a:p>
+            <a:r>
+              <a:rPr lang="en-US" dirty="0" err="1"/>
+              <a:t>orgPrj</a:t>
+            </a:r>
+            <a:endParaRPr lang="en-US" dirty="0"/>
+          </a:p>
+        </p:txBody>
+      </p:sp>
+      <p:cxnSp>
+        <p:nvCxnSpPr>
+          <p:cNvPr id="18" name="Straight Arrow Connector 17">
+            <a:extLst>
+              <a:ext uri="{FF2B5EF4-FFF2-40B4-BE49-F238E27FC236}">
+                <a16:creationId xmlns:a16="http://schemas.microsoft.com/office/drawing/2014/main" id="{C2EFDE89-102B-7C42-B74B-83C609E62225}"/>
+              </a:ext>
+            </a:extLst>
+          </p:cNvPr>
+          <p:cNvCxnSpPr>
+            <a:cxnSpLocks/>
+          </p:cNvCxnSpPr>
+          <p:nvPr/>
+        </p:nvCxnSpPr>
+        <p:spPr>
+          <a:xfrm flipV="1">
+            <a:off x="4111577" y="1720692"/>
+            <a:ext cx="0" cy="1565036"/>
+          </a:xfrm>
+          <a:prstGeom prst="straightConnector1">
+            <a:avLst/>
+          </a:prstGeom>
+          <a:ln w="57150">
+            <a:solidFill>
+              <a:srgbClr val="00B050"/>
+            </a:solidFill>
+            <a:tailEnd type="triangle"/>
+          </a:ln>
+        </p:spPr>
+        <p:style>
+          <a:lnRef idx="1">
+            <a:schemeClr val="accent1"/>
+          </a:lnRef>
+          <a:fillRef idx="0">
+            <a:schemeClr val="accent1"/>
+          </a:fillRef>
+          <a:effectRef idx="0">
+            <a:schemeClr val="accent1"/>
+          </a:effectRef>
+          <a:fontRef idx="minor">
+            <a:schemeClr val="tx1"/>
+          </a:fontRef>
+        </p:style>
+      </p:cxnSp>
+      <p:sp>
+        <p:nvSpPr>
+          <p:cNvPr id="15" name="Oval 14">
+            <a:extLst>
+              <a:ext uri="{FF2B5EF4-FFF2-40B4-BE49-F238E27FC236}">
+                <a16:creationId xmlns:a16="http://schemas.microsoft.com/office/drawing/2014/main" id="{6D7941F0-DD6F-0D40-AF6E-2E171611279F}"/>
+              </a:ext>
+            </a:extLst>
+          </p:cNvPr>
+          <p:cNvSpPr/>
+          <p:nvPr/>
+        </p:nvSpPr>
+        <p:spPr>
+          <a:xfrm>
+            <a:off x="4020049" y="3222756"/>
+            <a:ext cx="150312" cy="150312"/>
+          </a:xfrm>
+          <a:prstGeom prst="ellipse">
+            <a:avLst/>
+          </a:prstGeom>
+        </p:spPr>
+        <p:style>
+          <a:lnRef idx="2">
+            <a:schemeClr val="accent2">
+              <a:shade val="50000"/>
+            </a:schemeClr>
+          </a:lnRef>
+          <a:fillRef idx="1">
+            <a:schemeClr val="accent2"/>
+          </a:fillRef>
+          <a:effectRef idx="0">
+            <a:schemeClr val="accent2"/>
+          </a:effectRef>
+          <a:fontRef idx="minor">
+            <a:schemeClr val="lt1"/>
+          </a:fontRef>
+        </p:style>
+        <p:txBody>
+          <a:bodyPr rtlCol="0" anchor="ctr"/>
+          <a:lstStyle/>
+          <a:p>
+            <a:pPr algn="ctr"/>
+            <a:endParaRPr lang="en-US"/>
+          </a:p>
+        </p:txBody>
+      </p:sp>
+      <p:sp>
+        <p:nvSpPr>
+          <p:cNvPr id="23" name="TextBox 22">
+            <a:extLst>
+              <a:ext uri="{FF2B5EF4-FFF2-40B4-BE49-F238E27FC236}">
+                <a16:creationId xmlns:a16="http://schemas.microsoft.com/office/drawing/2014/main" id="{75F5F85A-D064-B14C-8C1D-9A1C6F9A91FE}"/>
+              </a:ext>
+            </a:extLst>
+          </p:cNvPr>
+          <p:cNvSpPr txBox="1"/>
+          <p:nvPr/>
+        </p:nvSpPr>
+        <p:spPr>
+          <a:xfrm>
+            <a:off x="2897447" y="1351546"/>
+            <a:ext cx="1747594" cy="369332"/>
+          </a:xfrm>
+          <a:prstGeom prst="rect">
+            <a:avLst/>
+          </a:prstGeom>
+          <a:noFill/>
+        </p:spPr>
+        <p:txBody>
+          <a:bodyPr wrap="none" rtlCol="0">
+            <a:spAutoFit/>
+          </a:bodyPr>
+          <a:lstStyle/>
+          <a:p>
+            <a:r>
+              <a:rPr lang="en-US" dirty="0" err="1"/>
+              <a:t>dirPrj</a:t>
+            </a:r>
+            <a:r>
+              <a:rPr lang="en-US" dirty="0"/>
+              <a:t> ^ </a:t>
+            </a:r>
+            <a:r>
+              <a:rPr lang="en-US" dirty="0" err="1"/>
+              <a:t>dirWidth</a:t>
+            </a:r>
+            <a:endParaRPr lang="en-US" dirty="0"/>
+          </a:p>
+        </p:txBody>
+      </p:sp>
+      <p:sp>
+        <p:nvSpPr>
+          <p:cNvPr id="25" name="TextBox 24">
+            <a:extLst>
+              <a:ext uri="{FF2B5EF4-FFF2-40B4-BE49-F238E27FC236}">
+                <a16:creationId xmlns:a16="http://schemas.microsoft.com/office/drawing/2014/main" id="{36C90B51-222A-1442-8282-E0FFFFDCE3FE}"/>
+              </a:ext>
+            </a:extLst>
+          </p:cNvPr>
+          <p:cNvSpPr txBox="1"/>
+          <p:nvPr/>
+        </p:nvSpPr>
+        <p:spPr>
+          <a:xfrm>
+            <a:off x="5095603" y="1023202"/>
+            <a:ext cx="1527919" cy="369332"/>
+          </a:xfrm>
+          <a:prstGeom prst="rect">
+            <a:avLst/>
+          </a:prstGeom>
+          <a:noFill/>
+        </p:spPr>
+        <p:txBody>
+          <a:bodyPr wrap="none" rtlCol="0">
+            <a:spAutoFit/>
+          </a:bodyPr>
+          <a:lstStyle/>
+          <a:p>
+            <a:r>
+              <a:rPr lang="en-US" dirty="0"/>
+              <a:t>positive depth</a:t>
+            </a:r>
+          </a:p>
+        </p:txBody>
+      </p:sp>
+    </p:spTree>
+    <p:extLst>
+      <p:ext uri="{BB962C8B-B14F-4D97-AF65-F5344CB8AC3E}">
+        <p14:creationId xmlns:p14="http://schemas.microsoft.com/office/powerpoint/2010/main" val="3918970810"/>
       </p:ext>
     </p:extLst>
   </p:cSld>
